--- a/src/jungkumjoo/MVC 패턴.pptx
+++ b/src/jungkumjoo/MVC 패턴.pptx
@@ -17,30 +17,30 @@
   <p:notesSz cx="6858000" cy="9144000"/>
   <p:embeddedFontLst>
     <p:embeddedFont>
-      <p:font typeface="맑은 고딕" panose="020B0503020000020004" pitchFamily="50" charset="-127"/>
+      <p:font typeface="Calibri" panose="020F0502020204030204" pitchFamily="34" charset="0"/>
       <p:regular r:id="rId7"/>
       <p:bold r:id="rId8"/>
-    </p:embeddedFont>
-    <p:embeddedFont>
-      <p:font typeface="Calibri" panose="020F0502020204030204" pitchFamily="34" charset="0"/>
-      <p:regular r:id="rId9"/>
-      <p:bold r:id="rId10"/>
-      <p:italic r:id="rId11"/>
-      <p:boldItalic r:id="rId12"/>
+      <p:italic r:id="rId9"/>
+      <p:boldItalic r:id="rId10"/>
     </p:embeddedFont>
     <p:embeddedFont>
       <p:font typeface="Nunito" panose="020B0600000101010101" charset="0"/>
-      <p:regular r:id="rId13"/>
-      <p:bold r:id="rId14"/>
-      <p:italic r:id="rId15"/>
-      <p:boldItalic r:id="rId16"/>
+      <p:regular r:id="rId11"/>
+      <p:bold r:id="rId12"/>
+      <p:italic r:id="rId13"/>
+      <p:boldItalic r:id="rId14"/>
     </p:embeddedFont>
     <p:embeddedFont>
       <p:font typeface="Proxima Nova" panose="020B0600000101010101" charset="0"/>
-      <p:regular r:id="rId17"/>
-      <p:bold r:id="rId18"/>
-      <p:italic r:id="rId19"/>
-      <p:boldItalic r:id="rId20"/>
+      <p:regular r:id="rId15"/>
+      <p:bold r:id="rId16"/>
+      <p:italic r:id="rId17"/>
+      <p:boldItalic r:id="rId18"/>
+    </p:embeddedFont>
+    <p:embeddedFont>
+      <p:font typeface="맑은 고딕" panose="020B0503020000020004" pitchFamily="50" charset="-127"/>
+      <p:regular r:id="rId19"/>
+      <p:bold r:id="rId20"/>
     </p:embeddedFont>
   </p:embeddedFontLst>
   <p:defaultTextStyle>
@@ -10124,174 +10124,6 @@
       </p:cxnSp>
       <p:sp>
         <p:nvSpPr>
-          <p:cNvPr id="157" name="Google Shape;157;p16"/>
-          <p:cNvSpPr/>
-          <p:nvPr/>
-        </p:nvSpPr>
-        <p:spPr>
-          <a:xfrm>
-            <a:off x="5538618" y="1189521"/>
-            <a:ext cx="3286405" cy="3600157"/>
-          </a:xfrm>
-          <a:prstGeom prst="roundRect">
-            <a:avLst>
-              <a:gd name="adj" fmla="val 16667"/>
-            </a:avLst>
-          </a:prstGeom>
-          <a:noFill/>
-          <a:ln w="9525" cap="flat" cmpd="sng">
-            <a:solidFill>
-              <a:schemeClr val="accent2"/>
-            </a:solidFill>
-            <a:prstDash val="solid"/>
-            <a:round/>
-            <a:headEnd type="none" w="sm" len="sm"/>
-            <a:tailEnd type="none" w="sm" len="sm"/>
-          </a:ln>
-        </p:spPr>
-        <p:txBody>
-          <a:bodyPr spcFirstLastPara="1" wrap="square" lIns="91425" tIns="91425" rIns="91425" bIns="91425" anchor="ctr" anchorCtr="0">
-            <a:noAutofit/>
-          </a:bodyPr>
-          <a:lstStyle/>
-          <a:p>
-            <a:pPr marL="0" lvl="0" indent="0" algn="l" rtl="0">
-              <a:spcBef>
-                <a:spcPts val="0"/>
-              </a:spcBef>
-              <a:spcAft>
-                <a:spcPts val="0"/>
-              </a:spcAft>
-              <a:buNone/>
-            </a:pPr>
-            <a:r>
-              <a:rPr lang="ko" sz="1800" dirty="0">
-                <a:latin typeface="+mn-ea"/>
-                <a:ea typeface="+mn-ea"/>
-              </a:rPr>
-              <a:t>장점 :</a:t>
-            </a:r>
-            <a:endParaRPr sz="1800" dirty="0">
-              <a:latin typeface="+mn-ea"/>
-              <a:ea typeface="+mn-ea"/>
-            </a:endParaRPr>
-          </a:p>
-          <a:p>
-            <a:pPr marL="0" lvl="0" indent="0" algn="l" rtl="0">
-              <a:spcBef>
-                <a:spcPts val="0"/>
-              </a:spcBef>
-              <a:spcAft>
-                <a:spcPts val="0"/>
-              </a:spcAft>
-              <a:buNone/>
-            </a:pPr>
-            <a:r>
-              <a:rPr lang="en-US" altLang="ko" sz="1800" dirty="0">
-                <a:latin typeface="+mn-ea"/>
-                <a:ea typeface="+mn-ea"/>
-              </a:rPr>
-              <a:t>- </a:t>
-            </a:r>
-            <a:r>
-              <a:rPr lang="ko" sz="1800" dirty="0">
-                <a:latin typeface="+mn-ea"/>
-                <a:ea typeface="+mn-ea"/>
-              </a:rPr>
-              <a:t>각각의 역할이 명확해져, 코드의 유지와 보수가 원활하다.</a:t>
-            </a:r>
-            <a:endParaRPr sz="1800" dirty="0">
-              <a:latin typeface="+mn-ea"/>
-              <a:ea typeface="+mn-ea"/>
-            </a:endParaRPr>
-          </a:p>
-          <a:p>
-            <a:pPr marL="0" lvl="0" indent="0" algn="l" rtl="0">
-              <a:spcBef>
-                <a:spcPts val="0"/>
-              </a:spcBef>
-              <a:spcAft>
-                <a:spcPts val="0"/>
-              </a:spcAft>
-              <a:buNone/>
-            </a:pPr>
-            <a:endParaRPr lang="en-US" altLang="ko" sz="1800" dirty="0">
-              <a:latin typeface="+mn-ea"/>
-              <a:ea typeface="+mn-ea"/>
-            </a:endParaRPr>
-          </a:p>
-          <a:p>
-            <a:pPr marL="0" lvl="0" indent="0" algn="l" rtl="0">
-              <a:spcBef>
-                <a:spcPts val="0"/>
-              </a:spcBef>
-              <a:spcAft>
-                <a:spcPts val="0"/>
-              </a:spcAft>
-              <a:buNone/>
-            </a:pPr>
-            <a:r>
-              <a:rPr lang="ko" sz="1800" dirty="0">
-                <a:latin typeface="+mn-ea"/>
-                <a:ea typeface="+mn-ea"/>
-              </a:rPr>
-              <a:t>단점 :</a:t>
-            </a:r>
-            <a:endParaRPr sz="1800" dirty="0">
-              <a:latin typeface="+mn-ea"/>
-              <a:ea typeface="+mn-ea"/>
-            </a:endParaRPr>
-          </a:p>
-          <a:p>
-            <a:pPr marL="457200" lvl="0" indent="-317500" algn="l" rtl="0">
-              <a:spcBef>
-                <a:spcPts val="0"/>
-              </a:spcBef>
-              <a:spcAft>
-                <a:spcPts val="0"/>
-              </a:spcAft>
-              <a:buSzPts val="1400"/>
-              <a:buChar char="-"/>
-            </a:pPr>
-            <a:r>
-              <a:rPr lang="ko" sz="1800" dirty="0">
-                <a:latin typeface="+mn-ea"/>
-                <a:ea typeface="+mn-ea"/>
-              </a:rPr>
-              <a:t>복잡해지면 Controller가 뚱뚱해진다. </a:t>
-            </a:r>
-            <a:endParaRPr sz="1800" dirty="0">
-              <a:latin typeface="+mn-ea"/>
-              <a:ea typeface="+mn-ea"/>
-            </a:endParaRPr>
-          </a:p>
-          <a:p>
-            <a:pPr marL="457200" lvl="0" indent="-317500" algn="l" rtl="0">
-              <a:spcBef>
-                <a:spcPts val="0"/>
-              </a:spcBef>
-              <a:spcAft>
-                <a:spcPts val="0"/>
-              </a:spcAft>
-              <a:buSzPts val="1400"/>
-              <a:buChar char="-"/>
-            </a:pPr>
-            <a:r>
-              <a:rPr lang="ko" sz="1800" dirty="0">
-                <a:latin typeface="+mn-ea"/>
-                <a:ea typeface="+mn-ea"/>
-              </a:rPr>
-              <a:t>수정 시에 테스트가 어렵다. </a:t>
-            </a:r>
-            <a:endParaRPr sz="1800" dirty="0">
-              <a:latin typeface="+mn-ea"/>
-              <a:ea typeface="+mn-ea"/>
-            </a:endParaRPr>
-          </a:p>
-        </p:txBody>
-      </p:sp>
-      <p:sp>
-        <p:nvSpPr>
           <p:cNvPr id="2" name="사각형: 둥근 모서리 1">
             <a:extLst>
               <a:ext uri="{FF2B5EF4-FFF2-40B4-BE49-F238E27FC236}">
@@ -10304,7 +10136,7 @@
         </p:nvSpPr>
         <p:spPr>
           <a:xfrm>
-            <a:off x="2007840" y="418860"/>
+            <a:off x="3343899" y="531209"/>
             <a:ext cx="2158656" cy="804672"/>
           </a:xfrm>
           <a:prstGeom prst="roundRect">
@@ -10354,8 +10186,8 @@
         </p:nvSpPr>
         <p:spPr>
           <a:xfrm>
-            <a:off x="558556" y="2363208"/>
-            <a:ext cx="1300704" cy="831610"/>
+            <a:off x="777609" y="3100608"/>
+            <a:ext cx="1463337" cy="918337"/>
           </a:xfrm>
           <a:prstGeom prst="roundRect">
             <a:avLst/>
@@ -10404,7 +10236,7 @@
         </p:nvSpPr>
         <p:spPr>
           <a:xfrm>
-            <a:off x="4166496" y="2363208"/>
+            <a:off x="6432599" y="3044013"/>
             <a:ext cx="1290144" cy="831610"/>
           </a:xfrm>
           <a:prstGeom prst="roundRect">
@@ -10456,8 +10288,8 @@
         </p:nvCxnSpPr>
         <p:spPr>
           <a:xfrm flipV="1">
-            <a:off x="840692" y="821196"/>
-            <a:ext cx="1061260" cy="1361172"/>
+            <a:off x="1478297" y="900397"/>
+            <a:ext cx="1676029" cy="2063426"/>
           </a:xfrm>
           <a:prstGeom prst="straightConnector1">
             <a:avLst/>
@@ -10497,8 +10329,8 @@
         </p:nvCxnSpPr>
         <p:spPr>
           <a:xfrm flipH="1">
-            <a:off x="1111392" y="1098220"/>
-            <a:ext cx="958405" cy="1198952"/>
+            <a:off x="1827166" y="1140899"/>
+            <a:ext cx="1463337" cy="1836718"/>
           </a:xfrm>
           <a:prstGeom prst="straightConnector1">
             <a:avLst/>
@@ -10536,8 +10368,8 @@
         </p:nvSpPr>
         <p:spPr>
           <a:xfrm>
-            <a:off x="198067" y="999744"/>
-            <a:ext cx="1826141" cy="369332"/>
+            <a:off x="424732" y="1182094"/>
+            <a:ext cx="2372765" cy="461665"/>
           </a:xfrm>
           <a:prstGeom prst="rect">
             <a:avLst/>
@@ -10551,11 +10383,11 @@
           <a:lstStyle/>
           <a:p>
             <a:r>
-              <a:rPr lang="en-US" altLang="ko-KR" sz="1800" dirty="0"/>
+              <a:rPr lang="en-US" altLang="ko-KR" sz="2400" dirty="0"/>
               <a:t>1.</a:t>
             </a:r>
             <a:r>
-              <a:rPr lang="ko-KR" altLang="en-US" sz="1800" dirty="0"/>
+              <a:rPr lang="ko-KR" altLang="en-US" sz="2400" dirty="0"/>
               <a:t>사용자의 요청</a:t>
             </a:r>
           </a:p>
@@ -10577,8 +10409,8 @@
         </p:nvCxnSpPr>
         <p:spPr>
           <a:xfrm>
-            <a:off x="4263825" y="821196"/>
-            <a:ext cx="744996" cy="1503102"/>
+            <a:off x="5521970" y="1154209"/>
+            <a:ext cx="1520412" cy="1823408"/>
           </a:xfrm>
           <a:prstGeom prst="straightConnector1">
             <a:avLst/>
@@ -10616,8 +10448,8 @@
         </p:nvSpPr>
         <p:spPr>
           <a:xfrm>
-            <a:off x="4129643" y="1189521"/>
-            <a:ext cx="1364476" cy="369332"/>
+            <a:off x="6050592" y="1597593"/>
+            <a:ext cx="1757212" cy="461665"/>
           </a:xfrm>
           <a:prstGeom prst="rect">
             <a:avLst/>
@@ -10631,11 +10463,11 @@
           <a:lstStyle/>
           <a:p>
             <a:r>
-              <a:rPr lang="en-US" altLang="ko-KR" sz="1800" dirty="0"/>
+              <a:rPr lang="en-US" altLang="ko-KR" sz="2400" dirty="0"/>
               <a:t>2. </a:t>
             </a:r>
             <a:r>
-              <a:rPr lang="ko-KR" altLang="en-US" sz="1800" dirty="0"/>
+              <a:rPr lang="ko-KR" altLang="en-US" sz="2400" dirty="0"/>
               <a:t>업데이트</a:t>
             </a:r>
           </a:p>
@@ -10655,8 +10487,8 @@
         </p:nvSpPr>
         <p:spPr>
           <a:xfrm>
-            <a:off x="1442774" y="1677967"/>
-            <a:ext cx="2026080" cy="646331"/>
+            <a:off x="2558834" y="1778823"/>
+            <a:ext cx="2026080" cy="830997"/>
           </a:xfrm>
           <a:prstGeom prst="rect">
             <a:avLst/>
@@ -10670,22 +10502,22 @@
           <a:lstStyle/>
           <a:p>
             <a:r>
-              <a:rPr lang="en-US" altLang="ko-KR" sz="1800" dirty="0"/>
+              <a:rPr lang="en-US" altLang="ko-KR" sz="2400" dirty="0"/>
               <a:t>3.</a:t>
             </a:r>
             <a:r>
-              <a:rPr lang="ko-KR" altLang="en-US" sz="1800" dirty="0"/>
+              <a:rPr lang="ko-KR" altLang="en-US" sz="2400" dirty="0"/>
               <a:t>디스플레이</a:t>
             </a:r>
-            <a:endParaRPr lang="en-US" altLang="ko-KR" sz="1800" dirty="0"/>
+            <a:endParaRPr lang="en-US" altLang="ko-KR" sz="2400" dirty="0"/>
           </a:p>
           <a:p>
             <a:r>
-              <a:rPr lang="en-US" altLang="ko-KR" sz="1800" dirty="0"/>
+              <a:rPr lang="en-US" altLang="ko-KR" sz="2400" dirty="0"/>
               <a:t>  </a:t>
             </a:r>
             <a:r>
-              <a:rPr lang="ko-KR" altLang="en-US" sz="1800" dirty="0"/>
+              <a:rPr lang="ko-KR" altLang="en-US" sz="2400" dirty="0"/>
               <a:t> 선택</a:t>
             </a:r>
           </a:p>
@@ -10700,13 +10532,15 @@
               </a:ext>
             </a:extLst>
           </p:cNvPr>
-          <p:cNvCxnSpPr/>
+          <p:cNvCxnSpPr>
+            <a:cxnSpLocks/>
+          </p:cNvCxnSpPr>
           <p:nvPr/>
         </p:nvCxnSpPr>
         <p:spPr>
           <a:xfrm flipH="1">
-            <a:off x="1951882" y="2571750"/>
-            <a:ext cx="2105435" cy="0"/>
+            <a:off x="2455814" y="3401430"/>
+            <a:ext cx="3661451" cy="0"/>
           </a:xfrm>
           <a:prstGeom prst="straightConnector1">
             <a:avLst/>
@@ -10744,8 +10578,8 @@
         </p:nvSpPr>
         <p:spPr>
           <a:xfrm>
-            <a:off x="2334212" y="2256809"/>
-            <a:ext cx="1364476" cy="369332"/>
+            <a:off x="3544621" y="3010738"/>
+            <a:ext cx="1757212" cy="461665"/>
           </a:xfrm>
           <a:prstGeom prst="rect">
             <a:avLst/>
@@ -10759,11 +10593,11 @@
           <a:lstStyle/>
           <a:p>
             <a:r>
-              <a:rPr lang="en-US" altLang="ko-KR" sz="1800" dirty="0"/>
+              <a:rPr lang="en-US" altLang="ko-KR" sz="2400" dirty="0"/>
               <a:t>4.</a:t>
             </a:r>
             <a:r>
-              <a:rPr lang="ko-KR" altLang="en-US" sz="1800" dirty="0"/>
+              <a:rPr lang="ko-KR" altLang="en-US" sz="2400" dirty="0"/>
               <a:t>상태 변경</a:t>
             </a:r>
           </a:p>
@@ -10778,13 +10612,15 @@
               </a:ext>
             </a:extLst>
           </p:cNvPr>
-          <p:cNvCxnSpPr/>
+          <p:cNvCxnSpPr>
+            <a:cxnSpLocks/>
+          </p:cNvCxnSpPr>
           <p:nvPr/>
         </p:nvCxnSpPr>
         <p:spPr>
           <a:xfrm>
-            <a:off x="1963732" y="2991019"/>
-            <a:ext cx="2105435" cy="0"/>
+            <a:off x="2608521" y="3678591"/>
+            <a:ext cx="3508744" cy="0"/>
           </a:xfrm>
           <a:prstGeom prst="straightConnector1">
             <a:avLst/>
@@ -10822,8 +10658,8 @@
         </p:nvSpPr>
         <p:spPr>
           <a:xfrm>
-            <a:off x="2108390" y="3040515"/>
-            <a:ext cx="1890261" cy="369332"/>
+            <a:off x="3303344" y="3690957"/>
+            <a:ext cx="2457724" cy="461665"/>
           </a:xfrm>
           <a:prstGeom prst="rect">
             <a:avLst/>
@@ -10837,13 +10673,311 @@
           <a:lstStyle/>
           <a:p>
             <a:r>
-              <a:rPr lang="en-US" altLang="ko-KR" sz="1800" dirty="0"/>
+              <a:rPr lang="en-US" altLang="ko-KR" sz="2400" dirty="0"/>
               <a:t>5.</a:t>
             </a:r>
             <a:r>
-              <a:rPr lang="ko-KR" altLang="en-US" sz="1800" dirty="0"/>
+              <a:rPr lang="ko-KR" altLang="en-US" sz="2400" dirty="0"/>
               <a:t>상태 정보 요청</a:t>
             </a:r>
+          </a:p>
+        </p:txBody>
+      </p:sp>
+      <p:sp>
+        <p:nvSpPr>
+          <p:cNvPr id="26" name="Google Shape;157;p16">
+            <a:extLst>
+              <a:ext uri="{FF2B5EF4-FFF2-40B4-BE49-F238E27FC236}">
+                <a16:creationId xmlns:a16="http://schemas.microsoft.com/office/drawing/2014/main" id="{3EB23620-B3BD-4EF9-81C8-A4EDBC02DDA6}"/>
+              </a:ext>
+            </a:extLst>
+          </p:cNvPr>
+          <p:cNvSpPr/>
+          <p:nvPr/>
+        </p:nvSpPr>
+        <p:spPr>
+          <a:xfrm>
+            <a:off x="3999127" y="1068417"/>
+            <a:ext cx="4097272" cy="3421192"/>
+          </a:xfrm>
+          <a:prstGeom prst="roundRect">
+            <a:avLst>
+              <a:gd name="adj" fmla="val 16667"/>
+            </a:avLst>
+          </a:prstGeom>
+          <a:solidFill>
+            <a:schemeClr val="tx1"/>
+          </a:solidFill>
+          <a:ln w="19050" cap="flat" cmpd="sng">
+            <a:solidFill>
+              <a:schemeClr val="accent2"/>
+            </a:solidFill>
+            <a:prstDash val="solid"/>
+            <a:round/>
+            <a:headEnd type="none" w="sm" len="sm"/>
+            <a:tailEnd type="none" w="sm" len="sm"/>
+          </a:ln>
+        </p:spPr>
+        <p:txBody>
+          <a:bodyPr spcFirstLastPara="1" wrap="square" lIns="91425" tIns="91425" rIns="91425" bIns="91425" anchor="ctr" anchorCtr="0">
+            <a:noAutofit/>
+          </a:bodyPr>
+          <a:lstStyle/>
+          <a:p>
+            <a:pPr marL="0" lvl="0" indent="0" algn="l" rtl="0">
+              <a:spcBef>
+                <a:spcPts val="0"/>
+              </a:spcBef>
+              <a:spcAft>
+                <a:spcPts val="0"/>
+              </a:spcAft>
+              <a:buNone/>
+            </a:pPr>
+            <a:r>
+              <a:rPr lang="ko" sz="2000" dirty="0">
+                <a:latin typeface="+mn-ea"/>
+                <a:ea typeface="+mn-ea"/>
+              </a:rPr>
+              <a:t>장점 :</a:t>
+            </a:r>
+            <a:endParaRPr sz="2000" dirty="0">
+              <a:latin typeface="+mn-ea"/>
+              <a:ea typeface="+mn-ea"/>
+            </a:endParaRPr>
+          </a:p>
+          <a:p>
+            <a:pPr marL="0" lvl="0" indent="0" algn="l" rtl="0">
+              <a:spcBef>
+                <a:spcPts val="0"/>
+              </a:spcBef>
+              <a:spcAft>
+                <a:spcPts val="0"/>
+              </a:spcAft>
+              <a:buNone/>
+            </a:pPr>
+            <a:r>
+              <a:rPr lang="en-US" altLang="ko" sz="2000" dirty="0">
+                <a:latin typeface="+mn-ea"/>
+                <a:ea typeface="+mn-ea"/>
+              </a:rPr>
+              <a:t>- </a:t>
+            </a:r>
+            <a:r>
+              <a:rPr lang="ko" sz="2000" dirty="0">
+                <a:latin typeface="+mn-ea"/>
+                <a:ea typeface="+mn-ea"/>
+              </a:rPr>
+              <a:t>각각의 역할이 명확해져, 코드의 유지와 보수가 원활하다.</a:t>
+            </a:r>
+            <a:endParaRPr sz="2000" dirty="0">
+              <a:latin typeface="+mn-ea"/>
+              <a:ea typeface="+mn-ea"/>
+            </a:endParaRPr>
+          </a:p>
+          <a:p>
+            <a:pPr marL="0" lvl="0" indent="0" algn="l" rtl="0">
+              <a:spcBef>
+                <a:spcPts val="0"/>
+              </a:spcBef>
+              <a:spcAft>
+                <a:spcPts val="0"/>
+              </a:spcAft>
+              <a:buNone/>
+            </a:pPr>
+            <a:endParaRPr lang="en-US" altLang="ko" sz="2000" dirty="0">
+              <a:latin typeface="+mn-ea"/>
+              <a:ea typeface="+mn-ea"/>
+            </a:endParaRPr>
+          </a:p>
+          <a:p>
+            <a:pPr marL="0" lvl="0" indent="0" algn="l" rtl="0">
+              <a:spcBef>
+                <a:spcPts val="0"/>
+              </a:spcBef>
+              <a:spcAft>
+                <a:spcPts val="0"/>
+              </a:spcAft>
+              <a:buNone/>
+            </a:pPr>
+            <a:r>
+              <a:rPr lang="ko" sz="2000" dirty="0">
+                <a:latin typeface="+mn-ea"/>
+                <a:ea typeface="+mn-ea"/>
+              </a:rPr>
+              <a:t>단점 :</a:t>
+            </a:r>
+            <a:endParaRPr sz="2000" dirty="0">
+              <a:latin typeface="+mn-ea"/>
+              <a:ea typeface="+mn-ea"/>
+            </a:endParaRPr>
+          </a:p>
+          <a:p>
+            <a:pPr marL="457200" lvl="0" indent="-317500" algn="l" rtl="0">
+              <a:spcBef>
+                <a:spcPts val="0"/>
+              </a:spcBef>
+              <a:spcAft>
+                <a:spcPts val="0"/>
+              </a:spcAft>
+              <a:buSzPts val="1400"/>
+              <a:buChar char="-"/>
+            </a:pPr>
+            <a:r>
+              <a:rPr lang="ko" sz="2000" dirty="0">
+                <a:latin typeface="+mn-ea"/>
+                <a:ea typeface="+mn-ea"/>
+              </a:rPr>
+              <a:t>복잡해지면 Controller가 뚱뚱해진다. </a:t>
+            </a:r>
+            <a:endParaRPr sz="2000" dirty="0">
+              <a:latin typeface="+mn-ea"/>
+              <a:ea typeface="+mn-ea"/>
+            </a:endParaRPr>
+          </a:p>
+          <a:p>
+            <a:pPr marL="457200" lvl="0" indent="-317500" algn="l" rtl="0">
+              <a:spcBef>
+                <a:spcPts val="0"/>
+              </a:spcBef>
+              <a:spcAft>
+                <a:spcPts val="0"/>
+              </a:spcAft>
+              <a:buSzPts val="1400"/>
+              <a:buChar char="-"/>
+            </a:pPr>
+            <a:r>
+              <a:rPr lang="ko" sz="2000" dirty="0">
+                <a:latin typeface="+mn-ea"/>
+                <a:ea typeface="+mn-ea"/>
+              </a:rPr>
+              <a:t>수정 시에 테스트가 어렵다. </a:t>
+            </a:r>
+            <a:endParaRPr sz="2000" dirty="0">
+              <a:latin typeface="+mn-ea"/>
+              <a:ea typeface="+mn-ea"/>
+            </a:endParaRPr>
+          </a:p>
+        </p:txBody>
+      </p:sp>
+      <p:sp>
+        <p:nvSpPr>
+          <p:cNvPr id="24" name="직사각형 23">
+            <a:extLst>
+              <a:ext uri="{FF2B5EF4-FFF2-40B4-BE49-F238E27FC236}">
+                <a16:creationId xmlns:a16="http://schemas.microsoft.com/office/drawing/2014/main" id="{59A82E13-1C00-425C-8080-387694078DE5}"/>
+              </a:ext>
+            </a:extLst>
+          </p:cNvPr>
+          <p:cNvSpPr/>
+          <p:nvPr/>
+        </p:nvSpPr>
+        <p:spPr>
+          <a:xfrm>
+            <a:off x="-647625" y="201838"/>
+            <a:ext cx="3808374" cy="584775"/>
+          </a:xfrm>
+          <a:prstGeom prst="rect">
+            <a:avLst/>
+          </a:prstGeom>
+          <a:noFill/>
+        </p:spPr>
+        <p:txBody>
+          <a:bodyPr wrap="square" lIns="91440" tIns="45720" rIns="91440" bIns="45720">
+            <a:spAutoFit/>
+          </a:bodyPr>
+          <a:lstStyle/>
+          <a:p>
+            <a:pPr algn="ctr"/>
+            <a:r>
+              <a:rPr lang="en-US" altLang="ko-KR" sz="3200" b="1" cap="none" spc="0" dirty="0">
+                <a:ln w="12700">
+                  <a:solidFill>
+                    <a:schemeClr val="accent3">
+                      <a:lumMod val="50000"/>
+                    </a:schemeClr>
+                  </a:solidFill>
+                  <a:prstDash val="solid"/>
+                </a:ln>
+                <a:pattFill prst="narHorz">
+                  <a:fgClr>
+                    <a:schemeClr val="accent3"/>
+                  </a:fgClr>
+                  <a:bgClr>
+                    <a:schemeClr val="accent3">
+                      <a:lumMod val="40000"/>
+                      <a:lumOff val="60000"/>
+                    </a:schemeClr>
+                  </a:bgClr>
+                </a:pattFill>
+                <a:effectLst>
+                  <a:innerShdw blurRad="177800">
+                    <a:schemeClr val="accent3">
+                      <a:lumMod val="50000"/>
+                    </a:schemeClr>
+                  </a:innerShdw>
+                </a:effectLst>
+              </a:rPr>
+              <a:t>MVC</a:t>
+            </a:r>
+            <a:r>
+              <a:rPr lang="ko-KR" altLang="en-US" sz="3200" b="1" dirty="0">
+                <a:ln w="12700">
+                  <a:solidFill>
+                    <a:schemeClr val="accent3">
+                      <a:lumMod val="50000"/>
+                    </a:schemeClr>
+                  </a:solidFill>
+                  <a:prstDash val="solid"/>
+                </a:ln>
+                <a:pattFill prst="narHorz">
+                  <a:fgClr>
+                    <a:schemeClr val="accent3"/>
+                  </a:fgClr>
+                  <a:bgClr>
+                    <a:schemeClr val="accent3">
+                      <a:lumMod val="40000"/>
+                      <a:lumOff val="60000"/>
+                    </a:schemeClr>
+                  </a:bgClr>
+                </a:pattFill>
+                <a:effectLst>
+                  <a:innerShdw blurRad="177800">
+                    <a:schemeClr val="accent3">
+                      <a:lumMod val="50000"/>
+                    </a:schemeClr>
+                  </a:innerShdw>
+                </a:effectLst>
+              </a:rPr>
+              <a:t>순서</a:t>
+            </a:r>
+            <a:endParaRPr lang="en-US" altLang="ko-KR" sz="3200" b="1" cap="none" spc="0" dirty="0">
+              <a:ln w="12700">
+                <a:solidFill>
+                  <a:schemeClr val="accent3">
+                    <a:lumMod val="50000"/>
+                  </a:schemeClr>
+                </a:solidFill>
+                <a:prstDash val="solid"/>
+              </a:ln>
+              <a:pattFill prst="narHorz">
+                <a:fgClr>
+                  <a:schemeClr val="accent3"/>
+                </a:fgClr>
+                <a:bgClr>
+                  <a:schemeClr val="accent3">
+                    <a:lumMod val="40000"/>
+                    <a:lumOff val="60000"/>
+                  </a:schemeClr>
+                </a:bgClr>
+              </a:pattFill>
+              <a:effectLst>
+                <a:innerShdw blurRad="177800">
+                  <a:schemeClr val="accent3">
+                    <a:lumMod val="50000"/>
+                  </a:schemeClr>
+                </a:innerShdw>
+              </a:effectLst>
+            </a:endParaRPr>
           </a:p>
         </p:txBody>
       </p:sp>
@@ -10886,7 +11020,7 @@
                                           </p:stCondLst>
                                         </p:cTn>
                                         <p:tgtEl>
-                                          <p:spTgt spid="157"/>
+                                          <p:spTgt spid="26"/>
                                         </p:tgtEl>
                                         <p:attrNameLst>
                                           <p:attrName>style.visibility</p:attrName>
@@ -10927,7 +11061,7 @@
       </p:par>
     </p:tnLst>
     <p:bldLst>
-      <p:bldP spid="157" grpId="0" animBg="1"/>
+      <p:bldP spid="26" grpId="0" animBg="1"/>
     </p:bldLst>
   </p:timing>
 </p:sld>
